--- a/Docker Tips and Tricks.pptx
+++ b/Docker Tips and Tricks.pptx
@@ -5,10 +5,10 @@
     <p:sldMasterId id="2147483676" r:id="rId1"/>
   </p:sldMasterIdLst>
   <p:notesMasterIdLst>
-    <p:notesMasterId r:id="rId35"/>
+    <p:notesMasterId r:id="rId36"/>
   </p:notesMasterIdLst>
   <p:handoutMasterIdLst>
-    <p:handoutMasterId r:id="rId36"/>
+    <p:handoutMasterId r:id="rId37"/>
   </p:handoutMasterIdLst>
   <p:sldIdLst>
     <p:sldId id="267" r:id="rId2"/>
@@ -19,31 +19,32 @@
     <p:sldId id="282" r:id="rId7"/>
     <p:sldId id="283" r:id="rId8"/>
     <p:sldId id="271" r:id="rId9"/>
-    <p:sldId id="284" r:id="rId10"/>
-    <p:sldId id="286" r:id="rId11"/>
-    <p:sldId id="285" r:id="rId12"/>
-    <p:sldId id="287" r:id="rId13"/>
-    <p:sldId id="288" r:id="rId14"/>
-    <p:sldId id="289" r:id="rId15"/>
-    <p:sldId id="290" r:id="rId16"/>
-    <p:sldId id="295" r:id="rId17"/>
-    <p:sldId id="297" r:id="rId18"/>
-    <p:sldId id="296" r:id="rId19"/>
-    <p:sldId id="298" r:id="rId20"/>
-    <p:sldId id="273" r:id="rId21"/>
-    <p:sldId id="272" r:id="rId22"/>
-    <p:sldId id="294" r:id="rId23"/>
-    <p:sldId id="300" r:id="rId24"/>
-    <p:sldId id="299" r:id="rId25"/>
-    <p:sldId id="301" r:id="rId26"/>
-    <p:sldId id="275" r:id="rId27"/>
-    <p:sldId id="291" r:id="rId28"/>
-    <p:sldId id="292" r:id="rId29"/>
-    <p:sldId id="293" r:id="rId30"/>
-    <p:sldId id="276" r:id="rId31"/>
-    <p:sldId id="302" r:id="rId32"/>
-    <p:sldId id="303" r:id="rId33"/>
-    <p:sldId id="278" r:id="rId34"/>
+    <p:sldId id="304" r:id="rId10"/>
+    <p:sldId id="284" r:id="rId11"/>
+    <p:sldId id="286" r:id="rId12"/>
+    <p:sldId id="285" r:id="rId13"/>
+    <p:sldId id="287" r:id="rId14"/>
+    <p:sldId id="288" r:id="rId15"/>
+    <p:sldId id="289" r:id="rId16"/>
+    <p:sldId id="290" r:id="rId17"/>
+    <p:sldId id="295" r:id="rId18"/>
+    <p:sldId id="297" r:id="rId19"/>
+    <p:sldId id="296" r:id="rId20"/>
+    <p:sldId id="298" r:id="rId21"/>
+    <p:sldId id="273" r:id="rId22"/>
+    <p:sldId id="272" r:id="rId23"/>
+    <p:sldId id="294" r:id="rId24"/>
+    <p:sldId id="300" r:id="rId25"/>
+    <p:sldId id="299" r:id="rId26"/>
+    <p:sldId id="301" r:id="rId27"/>
+    <p:sldId id="275" r:id="rId28"/>
+    <p:sldId id="291" r:id="rId29"/>
+    <p:sldId id="292" r:id="rId30"/>
+    <p:sldId id="293" r:id="rId31"/>
+    <p:sldId id="276" r:id="rId32"/>
+    <p:sldId id="302" r:id="rId33"/>
+    <p:sldId id="303" r:id="rId34"/>
+    <p:sldId id="278" r:id="rId35"/>
   </p:sldIdLst>
   <p:sldSz cx="12192000" cy="6858000"/>
   <p:notesSz cx="6858000" cy="9144000"/>
@@ -155,6 +156,7 @@
             <p14:sldId id="282"/>
             <p14:sldId id="283"/>
             <p14:sldId id="271"/>
+            <p14:sldId id="304"/>
             <p14:sldId id="284"/>
             <p14:sldId id="286"/>
             <p14:sldId id="285"/>
@@ -276,7 +278,7 @@
           <a:p>
             <a:fld id="{A0D83CE4-BAFB-41A6-97D4-FA7916DA3BB5}" type="datetimeFigureOut">
               <a:rPr lang="en-US" smtClean="0"/>
-              <a:t>6/13/19</a:t>
+              <a:t>6/14/19</a:t>
             </a:fld>
             <a:endParaRPr lang="en-US"/>
           </a:p>
@@ -441,7 +443,7 @@
           <a:p>
             <a:fld id="{88623304-FC45-43E3-861E-17CE13252E52}" type="datetimeFigureOut">
               <a:rPr lang="en-US" smtClean="0"/>
-              <a:t>6/13/19</a:t>
+              <a:t>6/14/19</a:t>
             </a:fld>
             <a:endParaRPr lang="en-US"/>
           </a:p>
@@ -970,7 +972,7 @@
           <a:p>
             <a:fld id="{4FC2FA96-E043-47F1-B25A-65CD4606D510}" type="slidenum">
               <a:rPr lang="en-US" smtClean="0"/>
-              <a:t>15</a:t>
+              <a:t>16</a:t>
             </a:fld>
             <a:endParaRPr lang="en-US"/>
           </a:p>
@@ -1091,7 +1093,7 @@
           <a:p>
             <a:fld id="{4FC2FA96-E043-47F1-B25A-65CD4606D510}" type="slidenum">
               <a:rPr lang="en-US" smtClean="0"/>
-              <a:t>16</a:t>
+              <a:t>17</a:t>
             </a:fld>
             <a:endParaRPr lang="en-US"/>
           </a:p>
@@ -1175,7 +1177,7 @@
           <a:p>
             <a:fld id="{4FC2FA96-E043-47F1-B25A-65CD4606D510}" type="slidenum">
               <a:rPr lang="en-US" smtClean="0"/>
-              <a:t>20</a:t>
+              <a:t>21</a:t>
             </a:fld>
             <a:endParaRPr lang="en-US"/>
           </a:p>
@@ -1259,7 +1261,7 @@
           <a:p>
             <a:fld id="{4FC2FA96-E043-47F1-B25A-65CD4606D510}" type="slidenum">
               <a:rPr lang="en-US" smtClean="0"/>
-              <a:t>30</a:t>
+              <a:t>31</a:t>
             </a:fld>
             <a:endParaRPr lang="en-US"/>
           </a:p>
@@ -1977,7 +1979,7 @@
           <a:p>
             <a:fld id="{4FC2FA96-E043-47F1-B25A-65CD4606D510}" type="slidenum">
               <a:rPr lang="en-US" smtClean="0"/>
-              <a:t>11</a:t>
+              <a:t>12</a:t>
             </a:fld>
             <a:endParaRPr lang="en-US"/>
           </a:p>
@@ -2091,7 +2093,7 @@
           <a:p>
             <a:fld id="{4FC2FA96-E043-47F1-B25A-65CD4606D510}" type="slidenum">
               <a:rPr lang="en-US" smtClean="0"/>
-              <a:t>13</a:t>
+              <a:t>14</a:t>
             </a:fld>
             <a:endParaRPr lang="en-US"/>
           </a:p>
@@ -5434,7 +5436,7 @@
             <a:fld id="{49F3E739-D457-46E5-B626-C9B182A007EE}" type="datetimeFigureOut">
               <a:rPr lang="en-US" smtClean="0"/>
               <a:pPr/>
-              <a:t>6/13/19</a:t>
+              <a:t>6/14/19</a:t>
             </a:fld>
             <a:endParaRPr lang="en-US"/>
           </a:p>
@@ -5553,7 +5555,7 @@
             <a:fld id="{49F3E739-D457-46E5-B626-C9B182A007EE}" type="datetimeFigureOut">
               <a:rPr lang="en-US" smtClean="0"/>
               <a:pPr/>
-              <a:t>6/13/19</a:t>
+              <a:t>6/14/19</a:t>
             </a:fld>
             <a:endParaRPr lang="en-US"/>
           </a:p>
@@ -6706,6 +6708,568 @@
       </p:grpSpPr>
       <p:sp>
         <p:nvSpPr>
+          <p:cNvPr id="18" name="Title 3">
+            <a:extLst>
+              <a:ext uri="{FF2B5EF4-FFF2-40B4-BE49-F238E27FC236}">
+                <a16:creationId xmlns:a16="http://schemas.microsoft.com/office/drawing/2014/main" id="{FF46BC6F-13CE-4253-B1A8-23691BEDB188}"/>
+              </a:ext>
+            </a:extLst>
+          </p:cNvPr>
+          <p:cNvSpPr>
+            <a:spLocks noGrp="1"/>
+          </p:cNvSpPr>
+          <p:nvPr>
+            <p:ph type="title"/>
+          </p:nvPr>
+        </p:nvSpPr>
+        <p:spPr>
+          <a:xfrm>
+            <a:off x="304800" y="365124"/>
+            <a:ext cx="11582400" cy="639891"/>
+          </a:xfrm>
+        </p:spPr>
+        <p:txBody>
+          <a:bodyPr/>
+          <a:lstStyle/>
+          <a:p>
+            <a:r>
+              <a:rPr lang="en-US" dirty="0"/>
+              <a:t>Shared Docker Layers</a:t>
+            </a:r>
+          </a:p>
+        </p:txBody>
+      </p:sp>
+      <p:sp>
+        <p:nvSpPr>
+          <p:cNvPr id="19" name="Rectangle 18">
+            <a:extLst>
+              <a:ext uri="{FF2B5EF4-FFF2-40B4-BE49-F238E27FC236}">
+                <a16:creationId xmlns:a16="http://schemas.microsoft.com/office/drawing/2014/main" id="{66090028-3753-49C3-AB08-CAFACA24B184}"/>
+              </a:ext>
+            </a:extLst>
+          </p:cNvPr>
+          <p:cNvSpPr/>
+          <p:nvPr/>
+        </p:nvSpPr>
+        <p:spPr>
+          <a:xfrm>
+            <a:off x="1280160" y="5408023"/>
+            <a:ext cx="6831874" cy="627017"/>
+          </a:xfrm>
+          <a:prstGeom prst="rect">
+            <a:avLst/>
+          </a:prstGeom>
+        </p:spPr>
+        <p:style>
+          <a:lnRef idx="2">
+            <a:schemeClr val="accent1">
+              <a:shade val="50000"/>
+            </a:schemeClr>
+          </a:lnRef>
+          <a:fillRef idx="1">
+            <a:schemeClr val="accent1"/>
+          </a:fillRef>
+          <a:effectRef idx="0">
+            <a:schemeClr val="accent1"/>
+          </a:effectRef>
+          <a:fontRef idx="minor">
+            <a:schemeClr val="lt1"/>
+          </a:fontRef>
+        </p:style>
+        <p:txBody>
+          <a:bodyPr rtlCol="0" anchor="ctr"/>
+          <a:lstStyle/>
+          <a:p>
+            <a:pPr algn="ctr"/>
+            <a:r>
+              <a:rPr lang="en-US" dirty="0"/>
+              <a:t>Windows Nano Server (10.0.14393.693)</a:t>
+            </a:r>
+          </a:p>
+        </p:txBody>
+      </p:sp>
+      <p:sp>
+        <p:nvSpPr>
+          <p:cNvPr id="21" name="Rectangle 20">
+            <a:extLst>
+              <a:ext uri="{FF2B5EF4-FFF2-40B4-BE49-F238E27FC236}">
+                <a16:creationId xmlns:a16="http://schemas.microsoft.com/office/drawing/2014/main" id="{FA4E3D07-60E0-469D-9BC6-00EA90EB4AEE}"/>
+              </a:ext>
+            </a:extLst>
+          </p:cNvPr>
+          <p:cNvSpPr/>
+          <p:nvPr/>
+        </p:nvSpPr>
+        <p:spPr>
+          <a:xfrm>
+            <a:off x="1280160" y="4646021"/>
+            <a:ext cx="4519749" cy="627017"/>
+          </a:xfrm>
+          <a:prstGeom prst="rect">
+            <a:avLst/>
+          </a:prstGeom>
+        </p:spPr>
+        <p:style>
+          <a:lnRef idx="2">
+            <a:schemeClr val="accent1">
+              <a:shade val="50000"/>
+            </a:schemeClr>
+          </a:lnRef>
+          <a:fillRef idx="1">
+            <a:schemeClr val="accent1"/>
+          </a:fillRef>
+          <a:effectRef idx="0">
+            <a:schemeClr val="accent1"/>
+          </a:effectRef>
+          <a:fontRef idx="minor">
+            <a:schemeClr val="lt1"/>
+          </a:fontRef>
+        </p:style>
+        <p:txBody>
+          <a:bodyPr rtlCol="0" anchor="ctr"/>
+          <a:lstStyle/>
+          <a:p>
+            <a:pPr algn="ctr"/>
+            <a:r>
+              <a:rPr lang="en-US" dirty="0"/>
+              <a:t>.NET Core Runtime</a:t>
+            </a:r>
+          </a:p>
+        </p:txBody>
+      </p:sp>
+      <p:sp>
+        <p:nvSpPr>
+          <p:cNvPr id="23" name="Rectangle 22">
+            <a:extLst>
+              <a:ext uri="{FF2B5EF4-FFF2-40B4-BE49-F238E27FC236}">
+                <a16:creationId xmlns:a16="http://schemas.microsoft.com/office/drawing/2014/main" id="{6C41939F-6AAB-44BE-9171-1A89E5F98025}"/>
+              </a:ext>
+            </a:extLst>
+          </p:cNvPr>
+          <p:cNvSpPr/>
+          <p:nvPr/>
+        </p:nvSpPr>
+        <p:spPr>
+          <a:xfrm>
+            <a:off x="1280160" y="3929735"/>
+            <a:ext cx="2233748" cy="627017"/>
+          </a:xfrm>
+          <a:prstGeom prst="rect">
+            <a:avLst/>
+          </a:prstGeom>
+        </p:spPr>
+        <p:style>
+          <a:lnRef idx="2">
+            <a:schemeClr val="accent1">
+              <a:shade val="50000"/>
+            </a:schemeClr>
+          </a:lnRef>
+          <a:fillRef idx="1">
+            <a:schemeClr val="accent1"/>
+          </a:fillRef>
+          <a:effectRef idx="0">
+            <a:schemeClr val="accent1"/>
+          </a:effectRef>
+          <a:fontRef idx="minor">
+            <a:schemeClr val="lt1"/>
+          </a:fontRef>
+        </p:style>
+        <p:txBody>
+          <a:bodyPr rtlCol="0" anchor="ctr"/>
+          <a:lstStyle/>
+          <a:p>
+            <a:pPr algn="ctr"/>
+            <a:r>
+              <a:rPr lang="en-US" dirty="0"/>
+              <a:t>ASP.NET Core Runtime</a:t>
+            </a:r>
+          </a:p>
+        </p:txBody>
+      </p:sp>
+      <p:sp>
+        <p:nvSpPr>
+          <p:cNvPr id="24" name="Rectangle 23">
+            <a:extLst>
+              <a:ext uri="{FF2B5EF4-FFF2-40B4-BE49-F238E27FC236}">
+                <a16:creationId xmlns:a16="http://schemas.microsoft.com/office/drawing/2014/main" id="{699D7AED-57E3-4D95-8914-40C015CD141C}"/>
+              </a:ext>
+            </a:extLst>
+          </p:cNvPr>
+          <p:cNvSpPr/>
+          <p:nvPr/>
+        </p:nvSpPr>
+        <p:spPr>
+          <a:xfrm>
+            <a:off x="5878286" y="3929735"/>
+            <a:ext cx="2233748" cy="648794"/>
+          </a:xfrm>
+          <a:prstGeom prst="rect">
+            <a:avLst/>
+          </a:prstGeom>
+        </p:spPr>
+        <p:style>
+          <a:lnRef idx="2">
+            <a:schemeClr val="accent1">
+              <a:shade val="50000"/>
+            </a:schemeClr>
+          </a:lnRef>
+          <a:fillRef idx="1">
+            <a:schemeClr val="accent1"/>
+          </a:fillRef>
+          <a:effectRef idx="0">
+            <a:schemeClr val="accent1"/>
+          </a:effectRef>
+          <a:fontRef idx="minor">
+            <a:schemeClr val="lt1"/>
+          </a:fontRef>
+        </p:style>
+        <p:txBody>
+          <a:bodyPr rtlCol="0" anchor="ctr"/>
+          <a:lstStyle/>
+          <a:p>
+            <a:pPr algn="ctr"/>
+            <a:r>
+              <a:rPr lang="en-US" dirty="0"/>
+              <a:t>scripts</a:t>
+            </a:r>
+          </a:p>
+        </p:txBody>
+      </p:sp>
+      <p:sp>
+        <p:nvSpPr>
+          <p:cNvPr id="26" name="Rectangle 25">
+            <a:extLst>
+              <a:ext uri="{FF2B5EF4-FFF2-40B4-BE49-F238E27FC236}">
+                <a16:creationId xmlns:a16="http://schemas.microsoft.com/office/drawing/2014/main" id="{C8DD9210-B405-451C-85CD-DC66B7977153}"/>
+              </a:ext>
+            </a:extLst>
+          </p:cNvPr>
+          <p:cNvSpPr/>
+          <p:nvPr/>
+        </p:nvSpPr>
+        <p:spPr>
+          <a:xfrm>
+            <a:off x="1280160" y="3217798"/>
+            <a:ext cx="2233748" cy="627017"/>
+          </a:xfrm>
+          <a:prstGeom prst="rect">
+            <a:avLst/>
+          </a:prstGeom>
+        </p:spPr>
+        <p:style>
+          <a:lnRef idx="2">
+            <a:schemeClr val="accent1">
+              <a:shade val="50000"/>
+            </a:schemeClr>
+          </a:lnRef>
+          <a:fillRef idx="1">
+            <a:schemeClr val="accent1"/>
+          </a:fillRef>
+          <a:effectRef idx="0">
+            <a:schemeClr val="accent1"/>
+          </a:effectRef>
+          <a:fontRef idx="minor">
+            <a:schemeClr val="lt1"/>
+          </a:fontRef>
+        </p:style>
+        <p:txBody>
+          <a:bodyPr rtlCol="0" anchor="ctr"/>
+          <a:lstStyle/>
+          <a:p>
+            <a:pPr algn="ctr"/>
+            <a:r>
+              <a:rPr lang="en-US" dirty="0"/>
+              <a:t>app1 binaries</a:t>
+            </a:r>
+          </a:p>
+        </p:txBody>
+      </p:sp>
+      <p:sp>
+        <p:nvSpPr>
+          <p:cNvPr id="28" name="Rectangle 27">
+            <a:extLst>
+              <a:ext uri="{FF2B5EF4-FFF2-40B4-BE49-F238E27FC236}">
+                <a16:creationId xmlns:a16="http://schemas.microsoft.com/office/drawing/2014/main" id="{0F59037F-A9DE-41AF-9780-7844596B3B01}"/>
+              </a:ext>
+            </a:extLst>
+          </p:cNvPr>
+          <p:cNvSpPr/>
+          <p:nvPr/>
+        </p:nvSpPr>
+        <p:spPr>
+          <a:xfrm>
+            <a:off x="3566161" y="3936788"/>
+            <a:ext cx="2233748" cy="627017"/>
+          </a:xfrm>
+          <a:prstGeom prst="rect">
+            <a:avLst/>
+          </a:prstGeom>
+        </p:spPr>
+        <p:style>
+          <a:lnRef idx="2">
+            <a:schemeClr val="accent1">
+              <a:shade val="50000"/>
+            </a:schemeClr>
+          </a:lnRef>
+          <a:fillRef idx="1">
+            <a:schemeClr val="accent1"/>
+          </a:fillRef>
+          <a:effectRef idx="0">
+            <a:schemeClr val="accent1"/>
+          </a:effectRef>
+          <a:fontRef idx="minor">
+            <a:schemeClr val="lt1"/>
+          </a:fontRef>
+        </p:style>
+        <p:txBody>
+          <a:bodyPr rtlCol="0" anchor="ctr"/>
+          <a:lstStyle/>
+          <a:p>
+            <a:pPr algn="ctr"/>
+            <a:r>
+              <a:rPr lang="en-US" dirty="0"/>
+              <a:t>app2 binaries</a:t>
+            </a:r>
+          </a:p>
+        </p:txBody>
+      </p:sp>
+      <p:sp>
+        <p:nvSpPr>
+          <p:cNvPr id="29" name="Rectangle 28">
+            <a:extLst>
+              <a:ext uri="{FF2B5EF4-FFF2-40B4-BE49-F238E27FC236}">
+                <a16:creationId xmlns:a16="http://schemas.microsoft.com/office/drawing/2014/main" id="{3A11A61F-3669-44C7-9BF4-39EA83AA9CEC}"/>
+              </a:ext>
+            </a:extLst>
+          </p:cNvPr>
+          <p:cNvSpPr/>
+          <p:nvPr/>
+        </p:nvSpPr>
+        <p:spPr>
+          <a:xfrm>
+            <a:off x="1280160" y="2512009"/>
+            <a:ext cx="2233748" cy="627017"/>
+          </a:xfrm>
+          <a:prstGeom prst="rect">
+            <a:avLst/>
+          </a:prstGeom>
+          <a:solidFill>
+            <a:schemeClr val="accent2"/>
+          </a:solidFill>
+        </p:spPr>
+        <p:style>
+          <a:lnRef idx="2">
+            <a:schemeClr val="accent1">
+              <a:shade val="50000"/>
+            </a:schemeClr>
+          </a:lnRef>
+          <a:fillRef idx="1">
+            <a:schemeClr val="accent1"/>
+          </a:fillRef>
+          <a:effectRef idx="0">
+            <a:schemeClr val="accent1"/>
+          </a:effectRef>
+          <a:fontRef idx="minor">
+            <a:schemeClr val="lt1"/>
+          </a:fontRef>
+        </p:style>
+        <p:txBody>
+          <a:bodyPr rtlCol="0" anchor="ctr"/>
+          <a:lstStyle/>
+          <a:p>
+            <a:pPr algn="ctr"/>
+            <a:r>
+              <a:rPr lang="en-US" dirty="0"/>
+              <a:t>Image 1</a:t>
+            </a:r>
+          </a:p>
+        </p:txBody>
+      </p:sp>
+      <p:sp>
+        <p:nvSpPr>
+          <p:cNvPr id="30" name="Rectangle 29">
+            <a:extLst>
+              <a:ext uri="{FF2B5EF4-FFF2-40B4-BE49-F238E27FC236}">
+                <a16:creationId xmlns:a16="http://schemas.microsoft.com/office/drawing/2014/main" id="{ED64B590-47AC-471D-B1EF-B36A81545750}"/>
+              </a:ext>
+            </a:extLst>
+          </p:cNvPr>
+          <p:cNvSpPr/>
+          <p:nvPr/>
+        </p:nvSpPr>
+        <p:spPr>
+          <a:xfrm>
+            <a:off x="3566161" y="3215621"/>
+            <a:ext cx="2233748" cy="627017"/>
+          </a:xfrm>
+          <a:prstGeom prst="rect">
+            <a:avLst/>
+          </a:prstGeom>
+          <a:solidFill>
+            <a:schemeClr val="accent2"/>
+          </a:solidFill>
+        </p:spPr>
+        <p:style>
+          <a:lnRef idx="2">
+            <a:schemeClr val="accent1">
+              <a:shade val="50000"/>
+            </a:schemeClr>
+          </a:lnRef>
+          <a:fillRef idx="1">
+            <a:schemeClr val="accent1"/>
+          </a:fillRef>
+          <a:effectRef idx="0">
+            <a:schemeClr val="accent1"/>
+          </a:effectRef>
+          <a:fontRef idx="minor">
+            <a:schemeClr val="lt1"/>
+          </a:fontRef>
+        </p:style>
+        <p:txBody>
+          <a:bodyPr rtlCol="0" anchor="ctr"/>
+          <a:lstStyle/>
+          <a:p>
+            <a:pPr algn="ctr"/>
+            <a:r>
+              <a:rPr lang="en-US" dirty="0"/>
+              <a:t>Image 2</a:t>
+            </a:r>
+          </a:p>
+        </p:txBody>
+      </p:sp>
+      <p:sp>
+        <p:nvSpPr>
+          <p:cNvPr id="31" name="Rectangle 30">
+            <a:extLst>
+              <a:ext uri="{FF2B5EF4-FFF2-40B4-BE49-F238E27FC236}">
+                <a16:creationId xmlns:a16="http://schemas.microsoft.com/office/drawing/2014/main" id="{B3654659-74F7-4AB6-92F9-F7EFCC67C227}"/>
+              </a:ext>
+            </a:extLst>
+          </p:cNvPr>
+          <p:cNvSpPr/>
+          <p:nvPr/>
+        </p:nvSpPr>
+        <p:spPr>
+          <a:xfrm>
+            <a:off x="5878286" y="3215622"/>
+            <a:ext cx="2233748" cy="627017"/>
+          </a:xfrm>
+          <a:prstGeom prst="rect">
+            <a:avLst/>
+          </a:prstGeom>
+          <a:solidFill>
+            <a:schemeClr val="accent2"/>
+          </a:solidFill>
+        </p:spPr>
+        <p:style>
+          <a:lnRef idx="2">
+            <a:schemeClr val="accent1">
+              <a:shade val="50000"/>
+            </a:schemeClr>
+          </a:lnRef>
+          <a:fillRef idx="1">
+            <a:schemeClr val="accent1"/>
+          </a:fillRef>
+          <a:effectRef idx="0">
+            <a:schemeClr val="accent1"/>
+          </a:effectRef>
+          <a:fontRef idx="minor">
+            <a:schemeClr val="lt1"/>
+          </a:fontRef>
+        </p:style>
+        <p:txBody>
+          <a:bodyPr rtlCol="0" anchor="ctr"/>
+          <a:lstStyle/>
+          <a:p>
+            <a:pPr algn="ctr"/>
+            <a:r>
+              <a:rPr lang="en-US" dirty="0"/>
+              <a:t>Image 3</a:t>
+            </a:r>
+          </a:p>
+        </p:txBody>
+      </p:sp>
+      <p:sp>
+        <p:nvSpPr>
+          <p:cNvPr id="12" name="Rectangle 11">
+            <a:extLst>
+              <a:ext uri="{FF2B5EF4-FFF2-40B4-BE49-F238E27FC236}">
+                <a16:creationId xmlns:a16="http://schemas.microsoft.com/office/drawing/2014/main" id="{F0B45DBB-3213-7D49-A1CF-DAEFFDFD220B}"/>
+              </a:ext>
+            </a:extLst>
+          </p:cNvPr>
+          <p:cNvSpPr/>
+          <p:nvPr/>
+        </p:nvSpPr>
+        <p:spPr>
+          <a:xfrm>
+            <a:off x="5878286" y="4665625"/>
+            <a:ext cx="2233748" cy="627017"/>
+          </a:xfrm>
+          <a:prstGeom prst="rect">
+            <a:avLst/>
+          </a:prstGeom>
+        </p:spPr>
+        <p:style>
+          <a:lnRef idx="2">
+            <a:schemeClr val="accent1">
+              <a:shade val="50000"/>
+            </a:schemeClr>
+          </a:lnRef>
+          <a:fillRef idx="1">
+            <a:schemeClr val="accent1"/>
+          </a:fillRef>
+          <a:effectRef idx="0">
+            <a:schemeClr val="accent1"/>
+          </a:effectRef>
+          <a:fontRef idx="minor">
+            <a:schemeClr val="lt1"/>
+          </a:fontRef>
+        </p:style>
+        <p:txBody>
+          <a:bodyPr rtlCol="0" anchor="ctr"/>
+          <a:lstStyle/>
+          <a:p>
+            <a:pPr algn="ctr"/>
+            <a:r>
+              <a:rPr lang="en-US" dirty="0"/>
+              <a:t>Python</a:t>
+            </a:r>
+          </a:p>
+        </p:txBody>
+      </p:sp>
+    </p:spTree>
+    <p:extLst>
+      <p:ext uri="{BB962C8B-B14F-4D97-AF65-F5344CB8AC3E}">
+        <p14:creationId xmlns:p14="http://schemas.microsoft.com/office/powerpoint/2010/main" val="3094252872"/>
+      </p:ext>
+    </p:extLst>
+  </p:cSld>
+  <p:clrMapOvr>
+    <a:masterClrMapping/>
+  </p:clrMapOvr>
+</p:sld>
+</file>
+
+<file path=ppt/slides/slide11.xml><?xml version="1.0" encoding="utf-8"?>
+<p:sld xmlns:a="http://schemas.openxmlformats.org/drawingml/2006/main" xmlns:r="http://schemas.openxmlformats.org/officeDocument/2006/relationships" xmlns:p="http://schemas.openxmlformats.org/presentationml/2006/main">
+  <p:cSld>
+    <p:spTree>
+      <p:nvGrpSpPr>
+        <p:cNvPr id="1" name=""/>
+        <p:cNvGrpSpPr/>
+        <p:nvPr/>
+      </p:nvGrpSpPr>
+      <p:grpSpPr>
+        <a:xfrm>
+          <a:off x="0" y="0"/>
+          <a:ext cx="0" cy="0"/>
+          <a:chOff x="0" y="0"/>
+          <a:chExt cx="0" cy="0"/>
+        </a:xfrm>
+      </p:grpSpPr>
+      <p:sp>
+        <p:nvSpPr>
           <p:cNvPr id="2" name="Title 1">
             <a:extLst>
               <a:ext uri="{FF2B5EF4-FFF2-40B4-BE49-F238E27FC236}">
@@ -6827,7 +7391,7 @@
 </p:sld>
 </file>
 
-<file path=ppt/slides/slide11.xml><?xml version="1.0" encoding="utf-8"?>
+<file path=ppt/slides/slide12.xml><?xml version="1.0" encoding="utf-8"?>
 <p:sld xmlns:a="http://schemas.openxmlformats.org/drawingml/2006/main" xmlns:r="http://schemas.openxmlformats.org/officeDocument/2006/relationships" xmlns:p="http://schemas.openxmlformats.org/presentationml/2006/main">
   <p:cSld>
     <p:spTree>
@@ -7641,7 +8205,7 @@
 </p:sld>
 </file>
 
-<file path=ppt/slides/slide12.xml><?xml version="1.0" encoding="utf-8"?>
+<file path=ppt/slides/slide13.xml><?xml version="1.0" encoding="utf-8"?>
 <p:sld xmlns:a="http://schemas.openxmlformats.org/drawingml/2006/main" xmlns:r="http://schemas.openxmlformats.org/officeDocument/2006/relationships" xmlns:p="http://schemas.openxmlformats.org/presentationml/2006/main">
   <p:cSld>
     <p:spTree>
@@ -7800,7 +8364,7 @@
 </p:sld>
 </file>
 
-<file path=ppt/slides/slide13.xml><?xml version="1.0" encoding="utf-8"?>
+<file path=ppt/slides/slide14.xml><?xml version="1.0" encoding="utf-8"?>
 <p:sld xmlns:a="http://schemas.openxmlformats.org/drawingml/2006/main" xmlns:r="http://schemas.openxmlformats.org/officeDocument/2006/relationships" xmlns:p="http://schemas.openxmlformats.org/presentationml/2006/main">
   <p:cSld>
     <p:spTree>
@@ -8710,7 +9274,7 @@
 </p:sld>
 </file>
 
-<file path=ppt/slides/slide14.xml><?xml version="1.0" encoding="utf-8"?>
+<file path=ppt/slides/slide15.xml><?xml version="1.0" encoding="utf-8"?>
 <p:sld xmlns:a="http://schemas.openxmlformats.org/drawingml/2006/main" xmlns:r="http://schemas.openxmlformats.org/officeDocument/2006/relationships" xmlns:p="http://schemas.openxmlformats.org/presentationml/2006/main">
   <p:cSld>
     <p:spTree>
@@ -8869,7 +9433,7 @@
 </p:sld>
 </file>
 
-<file path=ppt/slides/slide15.xml><?xml version="1.0" encoding="utf-8"?>
+<file path=ppt/slides/slide16.xml><?xml version="1.0" encoding="utf-8"?>
 <p:sld xmlns:a="http://schemas.openxmlformats.org/drawingml/2006/main" xmlns:r="http://schemas.openxmlformats.org/officeDocument/2006/relationships" xmlns:p="http://schemas.openxmlformats.org/presentationml/2006/main">
   <p:cSld>
     <p:spTree>
@@ -9662,7 +10226,7 @@
 </p:sld>
 </file>
 
-<file path=ppt/slides/slide16.xml><?xml version="1.0" encoding="utf-8"?>
+<file path=ppt/slides/slide17.xml><?xml version="1.0" encoding="utf-8"?>
 <p:sld xmlns:a="http://schemas.openxmlformats.org/drawingml/2006/main" xmlns:r="http://schemas.openxmlformats.org/officeDocument/2006/relationships" xmlns:p="http://schemas.openxmlformats.org/presentationml/2006/main">
   <p:cSld>
     <p:spTree>
@@ -9887,7 +10451,7 @@
 </p:sld>
 </file>
 
-<file path=ppt/slides/slide17.xml><?xml version="1.0" encoding="utf-8"?>
+<file path=ppt/slides/slide18.xml><?xml version="1.0" encoding="utf-8"?>
 <p:sld xmlns:a="http://schemas.openxmlformats.org/drawingml/2006/main" xmlns:r="http://schemas.openxmlformats.org/officeDocument/2006/relationships" xmlns:p="http://schemas.openxmlformats.org/presentationml/2006/main">
   <p:cSld>
     <p:spTree>
@@ -10277,7 +10841,7 @@
 </p:sld>
 </file>
 
-<file path=ppt/slides/slide18.xml><?xml version="1.0" encoding="utf-8"?>
+<file path=ppt/slides/slide19.xml><?xml version="1.0" encoding="utf-8"?>
 <p:sld xmlns:a="http://schemas.openxmlformats.org/drawingml/2006/main" xmlns:r="http://schemas.openxmlformats.org/officeDocument/2006/relationships" xmlns:p="http://schemas.openxmlformats.org/presentationml/2006/main">
   <p:cSld>
     <p:spTree>
@@ -10523,89 +11087,6 @@
     <p:extLst>
       <p:ext uri="{BB962C8B-B14F-4D97-AF65-F5344CB8AC3E}">
         <p14:creationId xmlns:p14="http://schemas.microsoft.com/office/powerpoint/2010/main" val="3147753601"/>
-      </p:ext>
-    </p:extLst>
-  </p:cSld>
-  <p:clrMapOvr>
-    <a:masterClrMapping/>
-  </p:clrMapOvr>
-</p:sld>
-</file>
-
-<file path=ppt/slides/slide19.xml><?xml version="1.0" encoding="utf-8"?>
-<p:sld xmlns:a="http://schemas.openxmlformats.org/drawingml/2006/main" xmlns:r="http://schemas.openxmlformats.org/officeDocument/2006/relationships" xmlns:p="http://schemas.openxmlformats.org/presentationml/2006/main">
-  <p:cSld>
-    <p:spTree>
-      <p:nvGrpSpPr>
-        <p:cNvPr id="1" name=""/>
-        <p:cNvGrpSpPr/>
-        <p:nvPr/>
-      </p:nvGrpSpPr>
-      <p:grpSpPr>
-        <a:xfrm>
-          <a:off x="0" y="0"/>
-          <a:ext cx="0" cy="0"/>
-          <a:chOff x="0" y="0"/>
-          <a:chExt cx="0" cy="0"/>
-        </a:xfrm>
-      </p:grpSpPr>
-      <p:sp>
-        <p:nvSpPr>
-          <p:cNvPr id="2" name="Title 1">
-            <a:extLst>
-              <a:ext uri="{FF2B5EF4-FFF2-40B4-BE49-F238E27FC236}">
-                <a16:creationId xmlns:a16="http://schemas.microsoft.com/office/drawing/2014/main" id="{EE264C6A-9EE8-B446-89E9-5B1A4F377B9F}"/>
-              </a:ext>
-            </a:extLst>
-          </p:cNvPr>
-          <p:cNvSpPr>
-            <a:spLocks noGrp="1"/>
-          </p:cNvSpPr>
-          <p:nvPr>
-            <p:ph type="title"/>
-          </p:nvPr>
-        </p:nvSpPr>
-        <p:spPr/>
-        <p:txBody>
-          <a:bodyPr/>
-          <a:lstStyle/>
-          <a:p>
-            <a:r>
-              <a:rPr lang="en-US" dirty="0"/>
-              <a:t>View Docker Layers</a:t>
-            </a:r>
-          </a:p>
-        </p:txBody>
-      </p:sp>
-      <p:sp>
-        <p:nvSpPr>
-          <p:cNvPr id="3" name="Text Placeholder 2">
-            <a:extLst>
-              <a:ext uri="{FF2B5EF4-FFF2-40B4-BE49-F238E27FC236}">
-                <a16:creationId xmlns:a16="http://schemas.microsoft.com/office/drawing/2014/main" id="{9512D4BC-A11A-0740-8A0A-57730F3F33CC}"/>
-              </a:ext>
-            </a:extLst>
-          </p:cNvPr>
-          <p:cNvSpPr>
-            <a:spLocks noGrp="1"/>
-          </p:cNvSpPr>
-          <p:nvPr>
-            <p:ph type="body" idx="1"/>
-          </p:nvPr>
-        </p:nvSpPr>
-        <p:spPr/>
-        <p:txBody>
-          <a:bodyPr/>
-          <a:lstStyle/>
-          <a:p>
-            <a:endParaRPr lang="en-US"/>
-          </a:p>
-        </p:txBody>
-      </p:sp>
-    </p:spTree>
-    <p:extLst>
-      <p:ext uri="{BB962C8B-B14F-4D97-AF65-F5344CB8AC3E}">
-        <p14:creationId xmlns:p14="http://schemas.microsoft.com/office/powerpoint/2010/main" val="2919872914"/>
       </p:ext>
     </p:extLst>
   </p:cSld>
@@ -10765,6 +11246,89 @@
           <p:cNvPr id="2" name="Title 1">
             <a:extLst>
               <a:ext uri="{FF2B5EF4-FFF2-40B4-BE49-F238E27FC236}">
+                <a16:creationId xmlns:a16="http://schemas.microsoft.com/office/drawing/2014/main" id="{EE264C6A-9EE8-B446-89E9-5B1A4F377B9F}"/>
+              </a:ext>
+            </a:extLst>
+          </p:cNvPr>
+          <p:cNvSpPr>
+            <a:spLocks noGrp="1"/>
+          </p:cNvSpPr>
+          <p:nvPr>
+            <p:ph type="title"/>
+          </p:nvPr>
+        </p:nvSpPr>
+        <p:spPr/>
+        <p:txBody>
+          <a:bodyPr/>
+          <a:lstStyle/>
+          <a:p>
+            <a:r>
+              <a:rPr lang="en-US" dirty="0"/>
+              <a:t>View Docker Layers</a:t>
+            </a:r>
+          </a:p>
+        </p:txBody>
+      </p:sp>
+      <p:sp>
+        <p:nvSpPr>
+          <p:cNvPr id="3" name="Text Placeholder 2">
+            <a:extLst>
+              <a:ext uri="{FF2B5EF4-FFF2-40B4-BE49-F238E27FC236}">
+                <a16:creationId xmlns:a16="http://schemas.microsoft.com/office/drawing/2014/main" id="{9512D4BC-A11A-0740-8A0A-57730F3F33CC}"/>
+              </a:ext>
+            </a:extLst>
+          </p:cNvPr>
+          <p:cNvSpPr>
+            <a:spLocks noGrp="1"/>
+          </p:cNvSpPr>
+          <p:nvPr>
+            <p:ph type="body" idx="1"/>
+          </p:nvPr>
+        </p:nvSpPr>
+        <p:spPr/>
+        <p:txBody>
+          <a:bodyPr/>
+          <a:lstStyle/>
+          <a:p>
+            <a:endParaRPr lang="en-US"/>
+          </a:p>
+        </p:txBody>
+      </p:sp>
+    </p:spTree>
+    <p:extLst>
+      <p:ext uri="{BB962C8B-B14F-4D97-AF65-F5344CB8AC3E}">
+        <p14:creationId xmlns:p14="http://schemas.microsoft.com/office/powerpoint/2010/main" val="2919872914"/>
+      </p:ext>
+    </p:extLst>
+  </p:cSld>
+  <p:clrMapOvr>
+    <a:masterClrMapping/>
+  </p:clrMapOvr>
+</p:sld>
+</file>
+
+<file path=ppt/slides/slide21.xml><?xml version="1.0" encoding="utf-8"?>
+<p:sld xmlns:a="http://schemas.openxmlformats.org/drawingml/2006/main" xmlns:r="http://schemas.openxmlformats.org/officeDocument/2006/relationships" xmlns:p="http://schemas.openxmlformats.org/presentationml/2006/main">
+  <p:cSld>
+    <p:spTree>
+      <p:nvGrpSpPr>
+        <p:cNvPr id="1" name=""/>
+        <p:cNvGrpSpPr/>
+        <p:nvPr/>
+      </p:nvGrpSpPr>
+      <p:grpSpPr>
+        <a:xfrm>
+          <a:off x="0" y="0"/>
+          <a:ext cx="0" cy="0"/>
+          <a:chOff x="0" y="0"/>
+          <a:chExt cx="0" cy="0"/>
+        </a:xfrm>
+      </p:grpSpPr>
+      <p:sp>
+        <p:nvSpPr>
+          <p:cNvPr id="2" name="Title 1">
+            <a:extLst>
+              <a:ext uri="{FF2B5EF4-FFF2-40B4-BE49-F238E27FC236}">
                 <a16:creationId xmlns:a16="http://schemas.microsoft.com/office/drawing/2014/main" id="{C02A75BA-AC3F-4208-AE46-D435E376F855}"/>
               </a:ext>
             </a:extLst>
@@ -10835,7 +11399,7 @@
 </p:sld>
 </file>
 
-<file path=ppt/slides/slide21.xml><?xml version="1.0" encoding="utf-8"?>
+<file path=ppt/slides/slide22.xml><?xml version="1.0" encoding="utf-8"?>
 <p:sld xmlns:a="http://schemas.openxmlformats.org/drawingml/2006/main" xmlns:r="http://schemas.openxmlformats.org/officeDocument/2006/relationships" xmlns:p="http://schemas.openxmlformats.org/presentationml/2006/main">
   <p:cSld>
     <p:spTree>
@@ -10924,7 +11488,7 @@
 </p:sld>
 </file>
 
-<file path=ppt/slides/slide22.xml><?xml version="1.0" encoding="utf-8"?>
+<file path=ppt/slides/slide23.xml><?xml version="1.0" encoding="utf-8"?>
 <p:sld xmlns:a="http://schemas.openxmlformats.org/drawingml/2006/main" xmlns:r="http://schemas.openxmlformats.org/officeDocument/2006/relationships" xmlns:p="http://schemas.openxmlformats.org/presentationml/2006/main">
   <p:cSld>
     <p:spTree>
@@ -11107,7 +11671,7 @@
 </p:sld>
 </file>
 
-<file path=ppt/slides/slide23.xml><?xml version="1.0" encoding="utf-8"?>
+<file path=ppt/slides/slide24.xml><?xml version="1.0" encoding="utf-8"?>
 <p:sld xmlns:a="http://schemas.openxmlformats.org/drawingml/2006/main" xmlns:r="http://schemas.openxmlformats.org/officeDocument/2006/relationships" xmlns:p="http://schemas.openxmlformats.org/presentationml/2006/main">
   <p:cSld>
     <p:spTree>
@@ -11199,7 +11763,7 @@
                 <a:latin typeface="Consolas" panose="020B0609020204030204" pitchFamily="49" charset="0"/>
                 <a:cs typeface="Consolas" panose="020B0609020204030204" pitchFamily="49" charset="0"/>
               </a:rPr>
-              <a:t>REPOSITORY          TAG                 IMAGE ID            CREATED             SIZE</a:t>
+              <a:t>REPOSITORY          TAG                 IMAGE ID            SIZE</a:t>
             </a:r>
           </a:p>
           <a:p>
@@ -11225,8 +11789,94 @@
                 <a:latin typeface="Consolas" panose="020B0609020204030204" pitchFamily="49" charset="0"/>
                 <a:cs typeface="Consolas" panose="020B0609020204030204" pitchFamily="49" charset="0"/>
               </a:rPr>
-              <a:t>       f9c59aaf3e00        39 seconds ago      1.76GB</a:t>
-            </a:r>
+              <a:t>       f9c59aaf3e00        1.76GB</a:t>
+            </a:r>
+          </a:p>
+          <a:p>
+            <a:pPr marL="169329" indent="0">
+              <a:buNone/>
+            </a:pPr>
+            <a:r>
+              <a:rPr lang="en-US" sz="1800" dirty="0">
+                <a:latin typeface="Consolas" panose="020B0609020204030204" pitchFamily="49" charset="0"/>
+              </a:rPr>
+              <a:t>PS D:\&gt; </a:t>
+            </a:r>
+            <a:r>
+              <a:rPr lang="en-US" sz="1800" dirty="0">
+                <a:latin typeface="Consolas" panose="020B0609020204030204" pitchFamily="49" charset="0"/>
+                <a:cs typeface="Consolas" panose="020B0609020204030204" pitchFamily="49" charset="0"/>
+              </a:rPr>
+              <a:t>docker images </a:t>
+            </a:r>
+            <a:r>
+              <a:rPr lang="en-US" sz="1800" dirty="0" err="1">
+                <a:latin typeface="Consolas" panose="020B0609020204030204" pitchFamily="49" charset="0"/>
+                <a:cs typeface="Consolas" panose="020B0609020204030204" pitchFamily="49" charset="0"/>
+              </a:rPr>
+              <a:t>mcr.microsoft.com</a:t>
+            </a:r>
+            <a:r>
+              <a:rPr lang="en-US" sz="1800" dirty="0">
+                <a:latin typeface="Consolas" panose="020B0609020204030204" pitchFamily="49" charset="0"/>
+                <a:cs typeface="Consolas" panose="020B0609020204030204" pitchFamily="49" charset="0"/>
+              </a:rPr>
+              <a:t>/dotnet/core/sdk:2.2</a:t>
+            </a:r>
+          </a:p>
+          <a:p>
+            <a:pPr marL="169329" indent="0">
+              <a:buNone/>
+            </a:pPr>
+            <a:r>
+              <a:rPr lang="en-US" sz="1800" dirty="0">
+                <a:latin typeface="Consolas" panose="020B0609020204030204" pitchFamily="49" charset="0"/>
+                <a:cs typeface="Consolas" panose="020B0609020204030204" pitchFamily="49" charset="0"/>
+              </a:rPr>
+              <a:t>REPOSITORY                          TAG                 IMAGE ID              SIZE</a:t>
+            </a:r>
+          </a:p>
+          <a:p>
+            <a:pPr marL="169329" indent="0">
+              <a:buNone/>
+            </a:pPr>
+            <a:r>
+              <a:rPr lang="en-US" sz="1800" dirty="0" err="1">
+                <a:latin typeface="Consolas" panose="020B0609020204030204" pitchFamily="49" charset="0"/>
+                <a:cs typeface="Consolas" panose="020B0609020204030204" pitchFamily="49" charset="0"/>
+              </a:rPr>
+              <a:t>mcr.microsoft.com</a:t>
+            </a:r>
+            <a:r>
+              <a:rPr lang="en-US" sz="1800" dirty="0">
+                <a:latin typeface="Consolas" panose="020B0609020204030204" pitchFamily="49" charset="0"/>
+                <a:cs typeface="Consolas" panose="020B0609020204030204" pitchFamily="49" charset="0"/>
+              </a:rPr>
+              <a:t>/dotnet/core/</a:t>
+            </a:r>
+            <a:r>
+              <a:rPr lang="en-US" sz="1800" dirty="0" err="1">
+                <a:latin typeface="Consolas" panose="020B0609020204030204" pitchFamily="49" charset="0"/>
+                <a:cs typeface="Consolas" panose="020B0609020204030204" pitchFamily="49" charset="0"/>
+              </a:rPr>
+              <a:t>sdk</a:t>
+            </a:r>
+            <a:r>
+              <a:rPr lang="en-US" sz="1800" dirty="0">
+                <a:latin typeface="Consolas" panose="020B0609020204030204" pitchFamily="49" charset="0"/>
+                <a:cs typeface="Consolas" panose="020B0609020204030204" pitchFamily="49" charset="0"/>
+              </a:rPr>
+              <a:t>   2.2                 08663b8eaa01          1.74GB</a:t>
+            </a:r>
+          </a:p>
+          <a:p>
+            <a:pPr marL="169329" indent="0">
+              <a:buNone/>
+            </a:pPr>
+            <a:endParaRPr lang="en-US" sz="1800" dirty="0">
+              <a:latin typeface="Consolas" panose="020B0609020204030204" pitchFamily="49" charset="0"/>
+              <a:cs typeface="Consolas" panose="020B0609020204030204" pitchFamily="49" charset="0"/>
+            </a:endParaRPr>
           </a:p>
           <a:p>
             <a:pPr marL="169329" indent="0">
@@ -11337,6 +11987,135 @@
                       </p:childTnLst>
                     </p:cTn>
                   </p:par>
+                  <p:par>
+                    <p:cTn id="9" fill="hold">
+                      <p:stCondLst>
+                        <p:cond delay="indefinite"/>
+                      </p:stCondLst>
+                      <p:childTnLst>
+                        <p:par>
+                          <p:cTn id="10" fill="hold">
+                            <p:stCondLst>
+                              <p:cond delay="0"/>
+                            </p:stCondLst>
+                            <p:childTnLst>
+                              <p:par>
+                                <p:cTn id="11" presetID="1" presetClass="entr" presetSubtype="0" fill="hold" nodeType="clickEffect">
+                                  <p:stCondLst>
+                                    <p:cond delay="0"/>
+                                  </p:stCondLst>
+                                  <p:childTnLst>
+                                    <p:set>
+                                      <p:cBhvr>
+                                        <p:cTn id="12" dur="1" fill="hold">
+                                          <p:stCondLst>
+                                            <p:cond delay="0"/>
+                                          </p:stCondLst>
+                                        </p:cTn>
+                                        <p:tgtEl>
+                                          <p:spTgt spid="4">
+                                            <p:txEl>
+                                              <p:pRg st="3" end="3"/>
+                                            </p:txEl>
+                                          </p:spTgt>
+                                        </p:tgtEl>
+                                        <p:attrNameLst>
+                                          <p:attrName>style.visibility</p:attrName>
+                                        </p:attrNameLst>
+                                      </p:cBhvr>
+                                      <p:to>
+                                        <p:strVal val="visible"/>
+                                      </p:to>
+                                    </p:set>
+                                  </p:childTnLst>
+                                </p:cTn>
+                              </p:par>
+                            </p:childTnLst>
+                          </p:cTn>
+                        </p:par>
+                      </p:childTnLst>
+                    </p:cTn>
+                  </p:par>
+                  <p:par>
+                    <p:cTn id="13" fill="hold">
+                      <p:stCondLst>
+                        <p:cond delay="indefinite"/>
+                      </p:stCondLst>
+                      <p:childTnLst>
+                        <p:par>
+                          <p:cTn id="14" fill="hold">
+                            <p:stCondLst>
+                              <p:cond delay="0"/>
+                            </p:stCondLst>
+                            <p:childTnLst>
+                              <p:par>
+                                <p:cTn id="15" presetID="1" presetClass="entr" presetSubtype="0" fill="hold" nodeType="clickEffect">
+                                  <p:stCondLst>
+                                    <p:cond delay="0"/>
+                                  </p:stCondLst>
+                                  <p:childTnLst>
+                                    <p:set>
+                                      <p:cBhvr>
+                                        <p:cTn id="16" dur="1" fill="hold">
+                                          <p:stCondLst>
+                                            <p:cond delay="0"/>
+                                          </p:stCondLst>
+                                        </p:cTn>
+                                        <p:tgtEl>
+                                          <p:spTgt spid="4">
+                                            <p:txEl>
+                                              <p:pRg st="4" end="4"/>
+                                            </p:txEl>
+                                          </p:spTgt>
+                                        </p:tgtEl>
+                                        <p:attrNameLst>
+                                          <p:attrName>style.visibility</p:attrName>
+                                        </p:attrNameLst>
+                                      </p:cBhvr>
+                                      <p:to>
+                                        <p:strVal val="visible"/>
+                                      </p:to>
+                                    </p:set>
+                                  </p:childTnLst>
+                                </p:cTn>
+                              </p:par>
+                              <p:par>
+                                <p:cTn id="17" presetID="1" presetClass="entr" presetSubtype="0" fill="hold" nodeType="withEffect">
+                                  <p:stCondLst>
+                                    <p:cond delay="0"/>
+                                  </p:stCondLst>
+                                  <p:childTnLst>
+                                    <p:set>
+                                      <p:cBhvr>
+                                        <p:cTn id="18" dur="1" fill="hold">
+                                          <p:stCondLst>
+                                            <p:cond delay="0"/>
+                                          </p:stCondLst>
+                                        </p:cTn>
+                                        <p:tgtEl>
+                                          <p:spTgt spid="4">
+                                            <p:txEl>
+                                              <p:pRg st="5" end="5"/>
+                                            </p:txEl>
+                                          </p:spTgt>
+                                        </p:tgtEl>
+                                        <p:attrNameLst>
+                                          <p:attrName>style.visibility</p:attrName>
+                                        </p:attrNameLst>
+                                      </p:cBhvr>
+                                      <p:to>
+                                        <p:strVal val="visible"/>
+                                      </p:to>
+                                    </p:set>
+                                  </p:childTnLst>
+                                </p:cTn>
+                              </p:par>
+                            </p:childTnLst>
+                          </p:cTn>
+                        </p:par>
+                      </p:childTnLst>
+                    </p:cTn>
+                  </p:par>
                 </p:childTnLst>
               </p:cTn>
               <p:prevCondLst>
@@ -11362,7 +12141,7 @@
 </p:sld>
 </file>
 
-<file path=ppt/slides/slide24.xml><?xml version="1.0" encoding="utf-8"?>
+<file path=ppt/slides/slide25.xml><?xml version="1.0" encoding="utf-8"?>
 <p:sld xmlns:a="http://schemas.openxmlformats.org/drawingml/2006/main" xmlns:r="http://schemas.openxmlformats.org/officeDocument/2006/relationships" xmlns:p="http://schemas.openxmlformats.org/presentationml/2006/main">
   <p:cSld>
     <p:spTree>
@@ -11608,7 +12387,7 @@
 </p:sld>
 </file>
 
-<file path=ppt/slides/slide25.xml><?xml version="1.0" encoding="utf-8"?>
+<file path=ppt/slides/slide26.xml><?xml version="1.0" encoding="utf-8"?>
 <p:sld xmlns:a="http://schemas.openxmlformats.org/drawingml/2006/main" xmlns:r="http://schemas.openxmlformats.org/officeDocument/2006/relationships" xmlns:p="http://schemas.openxmlformats.org/presentationml/2006/main">
   <p:cSld>
     <p:spTree>
@@ -11920,7 +12699,7 @@
 </p:sld>
 </file>
 
-<file path=ppt/slides/slide26.xml><?xml version="1.0" encoding="utf-8"?>
+<file path=ppt/slides/slide27.xml><?xml version="1.0" encoding="utf-8"?>
 <p:sld xmlns:a="http://schemas.openxmlformats.org/drawingml/2006/main" xmlns:r="http://schemas.openxmlformats.org/officeDocument/2006/relationships" xmlns:p="http://schemas.openxmlformats.org/presentationml/2006/main">
   <p:cSld>
     <p:spTree>
@@ -12303,7 +13082,7 @@
 </p:sld>
 </file>
 
-<file path=ppt/slides/slide27.xml><?xml version="1.0" encoding="utf-8"?>
+<file path=ppt/slides/slide28.xml><?xml version="1.0" encoding="utf-8"?>
 <p:sld xmlns:a="http://schemas.openxmlformats.org/drawingml/2006/main" xmlns:r="http://schemas.openxmlformats.org/officeDocument/2006/relationships" xmlns:p="http://schemas.openxmlformats.org/presentationml/2006/main">
   <p:cSld>
     <p:spTree>
@@ -12776,7 +13555,7 @@
 </p:sld>
 </file>
 
-<file path=ppt/slides/slide28.xml><?xml version="1.0" encoding="utf-8"?>
+<file path=ppt/slides/slide29.xml><?xml version="1.0" encoding="utf-8"?>
 <p:sld xmlns:a="http://schemas.openxmlformats.org/drawingml/2006/main" xmlns:r="http://schemas.openxmlformats.org/officeDocument/2006/relationships" xmlns:p="http://schemas.openxmlformats.org/presentationml/2006/main">
   <p:cSld>
     <p:spTree>
@@ -13165,7 +13944,118 @@
 </p:sld>
 </file>
 
-<file path=ppt/slides/slide29.xml><?xml version="1.0" encoding="utf-8"?>
+<file path=ppt/slides/slide3.xml><?xml version="1.0" encoding="utf-8"?>
+<p:sld xmlns:a="http://schemas.openxmlformats.org/drawingml/2006/main" xmlns:r="http://schemas.openxmlformats.org/officeDocument/2006/relationships" xmlns:p="http://schemas.openxmlformats.org/presentationml/2006/main">
+  <p:cSld>
+    <p:bg>
+      <p:bgPr>
+        <a:solidFill>
+          <a:schemeClr val="lt1"/>
+        </a:solidFill>
+        <a:effectLst/>
+      </p:bgPr>
+    </p:bg>
+    <p:spTree>
+      <p:nvGrpSpPr>
+        <p:cNvPr id="1" name=""/>
+        <p:cNvGrpSpPr/>
+        <p:nvPr/>
+      </p:nvGrpSpPr>
+      <p:grpSpPr>
+        <a:xfrm>
+          <a:off x="0" y="0"/>
+          <a:ext cx="0" cy="0"/>
+          <a:chOff x="0" y="0"/>
+          <a:chExt cx="0" cy="0"/>
+        </a:xfrm>
+      </p:grpSpPr>
+      <p:sp>
+        <p:nvSpPr>
+          <p:cNvPr id="10" name="Title 1">
+            <a:extLst>
+              <a:ext uri="{FF2B5EF4-FFF2-40B4-BE49-F238E27FC236}">
+                <a16:creationId xmlns:a16="http://schemas.microsoft.com/office/drawing/2014/main" id="{6AF31939-2AF9-4A8C-BA0C-D74E9974AFAB}"/>
+              </a:ext>
+            </a:extLst>
+          </p:cNvPr>
+          <p:cNvSpPr>
+            <a:spLocks noGrp="1"/>
+          </p:cNvSpPr>
+          <p:nvPr>
+            <p:ph type="title"/>
+          </p:nvPr>
+        </p:nvSpPr>
+        <p:spPr/>
+        <p:txBody>
+          <a:bodyPr/>
+          <a:lstStyle/>
+          <a:p>
+            <a:r>
+              <a:rPr lang="en-US" dirty="0"/>
+              <a:t>Development Environments</a:t>
+            </a:r>
+          </a:p>
+        </p:txBody>
+      </p:sp>
+      <p:sp>
+        <p:nvSpPr>
+          <p:cNvPr id="12" name="Text Placeholder 2">
+            <a:extLst>
+              <a:ext uri="{FF2B5EF4-FFF2-40B4-BE49-F238E27FC236}">
+                <a16:creationId xmlns:a16="http://schemas.microsoft.com/office/drawing/2014/main" id="{03AFFAC6-22A4-4BE9-A465-D388C4E33720}"/>
+              </a:ext>
+            </a:extLst>
+          </p:cNvPr>
+          <p:cNvSpPr>
+            <a:spLocks noGrp="1"/>
+          </p:cNvSpPr>
+          <p:nvPr>
+            <p:ph type="body" idx="1"/>
+          </p:nvPr>
+        </p:nvSpPr>
+        <p:spPr/>
+        <p:txBody>
+          <a:bodyPr/>
+          <a:lstStyle/>
+          <a:p>
+            <a:pPr marL="169329" indent="0">
+              <a:buNone/>
+            </a:pPr>
+            <a:r>
+              <a:rPr lang="en-US" dirty="0"/>
+              <a:t>Mac &amp; Windows client (e.g. Windows 10) are considered development environments</a:t>
+            </a:r>
+          </a:p>
+          <a:p>
+            <a:pPr lvl="1"/>
+            <a:r>
+              <a:rPr lang="en-US" dirty="0"/>
+              <a:t>Virtualization</a:t>
+            </a:r>
+          </a:p>
+          <a:p>
+            <a:pPr lvl="1"/>
+            <a:r>
+              <a:rPr lang="en-US" dirty="0"/>
+              <a:t>QEMU to support running other architecture</a:t>
+            </a:r>
+          </a:p>
+        </p:txBody>
+      </p:sp>
+    </p:spTree>
+    <p:extLst>
+      <p:ext uri="{BB962C8B-B14F-4D97-AF65-F5344CB8AC3E}">
+        <p14:creationId xmlns:p14="http://schemas.microsoft.com/office/powerpoint/2010/main" val="3885286836"/>
+      </p:ext>
+    </p:extLst>
+  </p:cSld>
+  <p:clrMapOvr>
+    <a:masterClrMapping/>
+  </p:clrMapOvr>
+</p:sld>
+</file>
+
+<file path=ppt/slides/slide30.xml><?xml version="1.0" encoding="utf-8"?>
 <p:sld xmlns:a="http://schemas.openxmlformats.org/drawingml/2006/main" xmlns:r="http://schemas.openxmlformats.org/officeDocument/2006/relationships" xmlns:p="http://schemas.openxmlformats.org/presentationml/2006/main">
   <p:cSld>
     <p:spTree>
@@ -13596,118 +14486,7 @@
 </p:sld>
 </file>
 
-<file path=ppt/slides/slide3.xml><?xml version="1.0" encoding="utf-8"?>
-<p:sld xmlns:a="http://schemas.openxmlformats.org/drawingml/2006/main" xmlns:r="http://schemas.openxmlformats.org/officeDocument/2006/relationships" xmlns:p="http://schemas.openxmlformats.org/presentationml/2006/main">
-  <p:cSld>
-    <p:bg>
-      <p:bgPr>
-        <a:solidFill>
-          <a:schemeClr val="lt1"/>
-        </a:solidFill>
-        <a:effectLst/>
-      </p:bgPr>
-    </p:bg>
-    <p:spTree>
-      <p:nvGrpSpPr>
-        <p:cNvPr id="1" name=""/>
-        <p:cNvGrpSpPr/>
-        <p:nvPr/>
-      </p:nvGrpSpPr>
-      <p:grpSpPr>
-        <a:xfrm>
-          <a:off x="0" y="0"/>
-          <a:ext cx="0" cy="0"/>
-          <a:chOff x="0" y="0"/>
-          <a:chExt cx="0" cy="0"/>
-        </a:xfrm>
-      </p:grpSpPr>
-      <p:sp>
-        <p:nvSpPr>
-          <p:cNvPr id="10" name="Title 1">
-            <a:extLst>
-              <a:ext uri="{FF2B5EF4-FFF2-40B4-BE49-F238E27FC236}">
-                <a16:creationId xmlns:a16="http://schemas.microsoft.com/office/drawing/2014/main" id="{6AF31939-2AF9-4A8C-BA0C-D74E9974AFAB}"/>
-              </a:ext>
-            </a:extLst>
-          </p:cNvPr>
-          <p:cNvSpPr>
-            <a:spLocks noGrp="1"/>
-          </p:cNvSpPr>
-          <p:nvPr>
-            <p:ph type="title"/>
-          </p:nvPr>
-        </p:nvSpPr>
-        <p:spPr/>
-        <p:txBody>
-          <a:bodyPr/>
-          <a:lstStyle/>
-          <a:p>
-            <a:r>
-              <a:rPr lang="en-US" dirty="0"/>
-              <a:t>Development Environments</a:t>
-            </a:r>
-          </a:p>
-        </p:txBody>
-      </p:sp>
-      <p:sp>
-        <p:nvSpPr>
-          <p:cNvPr id="12" name="Text Placeholder 2">
-            <a:extLst>
-              <a:ext uri="{FF2B5EF4-FFF2-40B4-BE49-F238E27FC236}">
-                <a16:creationId xmlns:a16="http://schemas.microsoft.com/office/drawing/2014/main" id="{03AFFAC6-22A4-4BE9-A465-D388C4E33720}"/>
-              </a:ext>
-            </a:extLst>
-          </p:cNvPr>
-          <p:cNvSpPr>
-            <a:spLocks noGrp="1"/>
-          </p:cNvSpPr>
-          <p:nvPr>
-            <p:ph type="body" idx="1"/>
-          </p:nvPr>
-        </p:nvSpPr>
-        <p:spPr/>
-        <p:txBody>
-          <a:bodyPr/>
-          <a:lstStyle/>
-          <a:p>
-            <a:pPr marL="169329" indent="0">
-              <a:buNone/>
-            </a:pPr>
-            <a:r>
-              <a:rPr lang="en-US" dirty="0"/>
-              <a:t>Mac &amp; Windows are considered development environments</a:t>
-            </a:r>
-          </a:p>
-          <a:p>
-            <a:pPr lvl="1"/>
-            <a:r>
-              <a:rPr lang="en-US" dirty="0"/>
-              <a:t>Virtualization</a:t>
-            </a:r>
-          </a:p>
-          <a:p>
-            <a:pPr lvl="1"/>
-            <a:r>
-              <a:rPr lang="en-US" dirty="0"/>
-              <a:t>QEMU to support running other architecture</a:t>
-            </a:r>
-          </a:p>
-        </p:txBody>
-      </p:sp>
-    </p:spTree>
-    <p:extLst>
-      <p:ext uri="{BB962C8B-B14F-4D97-AF65-F5344CB8AC3E}">
-        <p14:creationId xmlns:p14="http://schemas.microsoft.com/office/powerpoint/2010/main" val="3885286836"/>
-      </p:ext>
-    </p:extLst>
-  </p:cSld>
-  <p:clrMapOvr>
-    <a:masterClrMapping/>
-  </p:clrMapOvr>
-</p:sld>
-</file>
-
-<file path=ppt/slides/slide30.xml><?xml version="1.0" encoding="utf-8"?>
+<file path=ppt/slides/slide31.xml><?xml version="1.0" encoding="utf-8"?>
 <p:sld xmlns:a="http://schemas.openxmlformats.org/drawingml/2006/main" xmlns:r="http://schemas.openxmlformats.org/officeDocument/2006/relationships" xmlns:p="http://schemas.openxmlformats.org/presentationml/2006/main">
   <p:cSld>
     <p:spTree>
@@ -13751,10 +14530,9 @@
           <a:lstStyle/>
           <a:p>
             <a:r>
-              <a:rPr lang="en-US"/>
+              <a:rPr lang="en-US" dirty="0"/>
               <a:t>Docker in Docker</a:t>
             </a:r>
-            <a:endParaRPr lang="en-US" dirty="0"/>
           </a:p>
         </p:txBody>
       </p:sp>
@@ -13821,7 +14599,7 @@
 </p:sld>
 </file>
 
-<file path=ppt/slides/slide31.xml><?xml version="1.0" encoding="utf-8"?>
+<file path=ppt/slides/slide32.xml><?xml version="1.0" encoding="utf-8"?>
 <p:sld xmlns:a="http://schemas.openxmlformats.org/drawingml/2006/main" xmlns:r="http://schemas.openxmlformats.org/officeDocument/2006/relationships" xmlns:p="http://schemas.openxmlformats.org/presentationml/2006/main">
   <p:cSld>
     <p:spTree>
@@ -14048,7 +14826,7 @@
 </p:sld>
 </file>
 
-<file path=ppt/slides/slide32.xml><?xml version="1.0" encoding="utf-8"?>
+<file path=ppt/slides/slide33.xml><?xml version="1.0" encoding="utf-8"?>
 <p:sld xmlns:a="http://schemas.openxmlformats.org/drawingml/2006/main" xmlns:r="http://schemas.openxmlformats.org/officeDocument/2006/relationships" xmlns:p="http://schemas.openxmlformats.org/presentationml/2006/main">
   <p:cSld>
     <p:spTree>
@@ -14131,7 +14909,7 @@
 </p:sld>
 </file>
 
-<file path=ppt/slides/slide33.xml><?xml version="1.0" encoding="utf-8"?>
+<file path=ppt/slides/slide34.xml><?xml version="1.0" encoding="utf-8"?>
 <p:sld xmlns:a="http://schemas.openxmlformats.org/drawingml/2006/main" xmlns:r="http://schemas.openxmlformats.org/officeDocument/2006/relationships" xmlns:p="http://schemas.openxmlformats.org/presentationml/2006/main">
   <p:cSld>
     <p:spTree>
@@ -14230,7 +15008,12 @@
             <p:ph type="title"/>
           </p:nvPr>
         </p:nvSpPr>
-        <p:spPr/>
+        <p:spPr>
+          <a:xfrm>
+            <a:off x="0" y="361091"/>
+            <a:ext cx="11582400" cy="639891"/>
+          </a:xfrm>
+        </p:spPr>
         <p:txBody>
           <a:bodyPr/>
           <a:lstStyle/>
@@ -14265,13 +15048,19 @@
           <a:p>
             <a:r>
               <a:rPr lang="en-US" dirty="0"/>
-              <a:t>Windows client (e.g. Windows 10) supports both Windows and Linux containers</a:t>
+              <a:t>Windows client supports both Windows and Linux containers</a:t>
             </a:r>
           </a:p>
           <a:p>
             <a:r>
               <a:rPr lang="en-US" dirty="0"/>
               <a:t>Must explicitly switch between environments</a:t>
+            </a:r>
+          </a:p>
+          <a:p>
+            <a:r>
+              <a:rPr lang="en-US" dirty="0"/>
+              <a:t>Default mode is Linux containers</a:t>
             </a:r>
           </a:p>
         </p:txBody>
@@ -14701,7 +15490,7 @@
         </p:nvSpPr>
         <p:spPr>
           <a:xfrm>
-            <a:off x="426396" y="1005015"/>
+            <a:off x="304800" y="903902"/>
             <a:ext cx="11582400" cy="5050196"/>
           </a:xfrm>
         </p:spPr>
@@ -15589,17 +16378,6 @@
             </a:pPr>
             <a:r>
               <a:rPr lang="en-US" dirty="0"/>
-              <a:t>Union file systems allows common layers to be shared between images and containers</a:t>
-            </a:r>
-          </a:p>
-          <a:p>
-            <a:pPr>
-              <a:lnSpc>
-                <a:spcPct val="150000"/>
-              </a:lnSpc>
-            </a:pPr>
-            <a:r>
-              <a:rPr lang="en-US" dirty="0"/>
               <a:t>One of the reasons Docker is so lightweight</a:t>
             </a:r>
           </a:p>
@@ -15651,10 +16429,10 @@
       </p:grpSpPr>
       <p:sp>
         <p:nvSpPr>
-          <p:cNvPr id="18" name="Title 3">
+          <p:cNvPr id="2" name="Title 1">
             <a:extLst>
               <a:ext uri="{FF2B5EF4-FFF2-40B4-BE49-F238E27FC236}">
-                <a16:creationId xmlns:a16="http://schemas.microsoft.com/office/drawing/2014/main" id="{FF46BC6F-13CE-4253-B1A8-23691BEDB188}"/>
+                <a16:creationId xmlns:a16="http://schemas.microsoft.com/office/drawing/2014/main" id="{60209EC0-86EE-FC4B-8552-33DF8371AE28}"/>
               </a:ext>
             </a:extLst>
           </p:cNvPr>
@@ -15667,7 +16445,7 @@
         </p:nvSpPr>
         <p:spPr>
           <a:xfrm>
-            <a:off x="304800" y="365124"/>
+            <a:off x="304800" y="285515"/>
             <a:ext cx="11582400" cy="639891"/>
           </a:xfrm>
         </p:spPr>
@@ -15677,17 +16455,17 @@
           <a:p>
             <a:r>
               <a:rPr lang="en-US" dirty="0"/>
-              <a:t>Docker Layers</a:t>
+              <a:t>Union File System</a:t>
             </a:r>
           </a:p>
         </p:txBody>
       </p:sp>
       <p:sp>
         <p:nvSpPr>
-          <p:cNvPr id="19" name="Rectangle 18">
+          <p:cNvPr id="5" name="Rectangle 4">
             <a:extLst>
               <a:ext uri="{FF2B5EF4-FFF2-40B4-BE49-F238E27FC236}">
-                <a16:creationId xmlns:a16="http://schemas.microsoft.com/office/drawing/2014/main" id="{66090028-3753-49C3-AB08-CAFACA24B184}"/>
+                <a16:creationId xmlns:a16="http://schemas.microsoft.com/office/drawing/2014/main" id="{0C683DDC-B0BB-F744-B889-349C83728B3A}"/>
               </a:ext>
             </a:extLst>
           </p:cNvPr>
@@ -15696,105 +16474,7 @@
         </p:nvSpPr>
         <p:spPr>
           <a:xfrm>
-            <a:off x="1280160" y="5408023"/>
-            <a:ext cx="6831874" cy="627017"/>
-          </a:xfrm>
-          <a:prstGeom prst="rect">
-            <a:avLst/>
-          </a:prstGeom>
-        </p:spPr>
-        <p:style>
-          <a:lnRef idx="2">
-            <a:schemeClr val="accent1">
-              <a:shade val="50000"/>
-            </a:schemeClr>
-          </a:lnRef>
-          <a:fillRef idx="1">
-            <a:schemeClr val="accent1"/>
-          </a:fillRef>
-          <a:effectRef idx="0">
-            <a:schemeClr val="accent1"/>
-          </a:effectRef>
-          <a:fontRef idx="minor">
-            <a:schemeClr val="lt1"/>
-          </a:fontRef>
-        </p:style>
-        <p:txBody>
-          <a:bodyPr rtlCol="0" anchor="ctr"/>
-          <a:lstStyle/>
-          <a:p>
-            <a:pPr algn="ctr"/>
-            <a:r>
-              <a:rPr lang="en-US" dirty="0"/>
-              <a:t>Windows Nano Server (10.0.14393.693)</a:t>
-            </a:r>
-          </a:p>
-        </p:txBody>
-      </p:sp>
-      <p:sp>
-        <p:nvSpPr>
-          <p:cNvPr id="21" name="Rectangle 20">
-            <a:extLst>
-              <a:ext uri="{FF2B5EF4-FFF2-40B4-BE49-F238E27FC236}">
-                <a16:creationId xmlns:a16="http://schemas.microsoft.com/office/drawing/2014/main" id="{FA4E3D07-60E0-469D-9BC6-00EA90EB4AEE}"/>
-              </a:ext>
-            </a:extLst>
-          </p:cNvPr>
-          <p:cNvSpPr/>
-          <p:nvPr/>
-        </p:nvSpPr>
-        <p:spPr>
-          <a:xfrm>
-            <a:off x="1280160" y="4646021"/>
-            <a:ext cx="6831874" cy="627017"/>
-          </a:xfrm>
-          <a:prstGeom prst="rect">
-            <a:avLst/>
-          </a:prstGeom>
-        </p:spPr>
-        <p:style>
-          <a:lnRef idx="2">
-            <a:schemeClr val="accent1">
-              <a:shade val="50000"/>
-            </a:schemeClr>
-          </a:lnRef>
-          <a:fillRef idx="1">
-            <a:schemeClr val="accent1"/>
-          </a:fillRef>
-          <a:effectRef idx="0">
-            <a:schemeClr val="accent1"/>
-          </a:effectRef>
-          <a:fontRef idx="minor">
-            <a:schemeClr val="lt1"/>
-          </a:fontRef>
-        </p:style>
-        <p:txBody>
-          <a:bodyPr rtlCol="0" anchor="ctr"/>
-          <a:lstStyle/>
-          <a:p>
-            <a:pPr algn="ctr"/>
-            <a:r>
-              <a:rPr lang="en-US" dirty="0"/>
-              <a:t>.NET Core Runtime</a:t>
-            </a:r>
-          </a:p>
-        </p:txBody>
-      </p:sp>
-      <p:sp>
-        <p:nvSpPr>
-          <p:cNvPr id="23" name="Rectangle 22">
-            <a:extLst>
-              <a:ext uri="{FF2B5EF4-FFF2-40B4-BE49-F238E27FC236}">
-                <a16:creationId xmlns:a16="http://schemas.microsoft.com/office/drawing/2014/main" id="{6C41939F-6AAB-44BE-9171-1A89E5F98025}"/>
-              </a:ext>
-            </a:extLst>
-          </p:cNvPr>
-          <p:cNvSpPr/>
-          <p:nvPr/>
-        </p:nvSpPr>
-        <p:spPr>
-          <a:xfrm>
-            <a:off x="1280160" y="3929735"/>
+            <a:off x="2593191" y="4674468"/>
             <a:ext cx="2233748" cy="627017"/>
           </a:xfrm>
           <a:prstGeom prst="rect">
@@ -15824,17 +16504,17 @@
             <a:pPr algn="ctr"/>
             <a:r>
               <a:rPr lang="en-US" dirty="0"/>
-              <a:t>ASP.NET Core Runtime</a:t>
+              <a:t>+ File 1</a:t>
             </a:r>
           </a:p>
         </p:txBody>
       </p:sp>
       <p:sp>
         <p:nvSpPr>
-          <p:cNvPr id="24" name="Rectangle 23">
+          <p:cNvPr id="6" name="Rectangle 5">
             <a:extLst>
               <a:ext uri="{FF2B5EF4-FFF2-40B4-BE49-F238E27FC236}">
-                <a16:creationId xmlns:a16="http://schemas.microsoft.com/office/drawing/2014/main" id="{699D7AED-57E3-4D95-8914-40C015CD141C}"/>
+                <a16:creationId xmlns:a16="http://schemas.microsoft.com/office/drawing/2014/main" id="{E8F9C9A5-8CE3-E848-9F24-B2DF46754698}"/>
               </a:ext>
             </a:extLst>
           </p:cNvPr>
@@ -15843,56 +16523,7 @@
         </p:nvSpPr>
         <p:spPr>
           <a:xfrm>
-            <a:off x="5878286" y="3929735"/>
-            <a:ext cx="2233748" cy="648794"/>
-          </a:xfrm>
-          <a:prstGeom prst="rect">
-            <a:avLst/>
-          </a:prstGeom>
-        </p:spPr>
-        <p:style>
-          <a:lnRef idx="2">
-            <a:schemeClr val="accent1">
-              <a:shade val="50000"/>
-            </a:schemeClr>
-          </a:lnRef>
-          <a:fillRef idx="1">
-            <a:schemeClr val="accent1"/>
-          </a:fillRef>
-          <a:effectRef idx="0">
-            <a:schemeClr val="accent1"/>
-          </a:effectRef>
-          <a:fontRef idx="minor">
-            <a:schemeClr val="lt1"/>
-          </a:fontRef>
-        </p:style>
-        <p:txBody>
-          <a:bodyPr rtlCol="0" anchor="ctr"/>
-          <a:lstStyle/>
-          <a:p>
-            <a:pPr algn="ctr"/>
-            <a:r>
-              <a:rPr lang="en-US" dirty="0"/>
-              <a:t>app3 binaries</a:t>
-            </a:r>
-          </a:p>
-        </p:txBody>
-      </p:sp>
-      <p:sp>
-        <p:nvSpPr>
-          <p:cNvPr id="26" name="Rectangle 25">
-            <a:extLst>
-              <a:ext uri="{FF2B5EF4-FFF2-40B4-BE49-F238E27FC236}">
-                <a16:creationId xmlns:a16="http://schemas.microsoft.com/office/drawing/2014/main" id="{C8DD9210-B405-451C-85CD-DC66B7977153}"/>
-              </a:ext>
-            </a:extLst>
-          </p:cNvPr>
-          <p:cNvSpPr/>
-          <p:nvPr/>
-        </p:nvSpPr>
-        <p:spPr>
-          <a:xfrm>
-            <a:off x="1280160" y="3217798"/>
+            <a:off x="2593191" y="3894980"/>
             <a:ext cx="2233748" cy="627017"/>
           </a:xfrm>
           <a:prstGeom prst="rect">
@@ -15922,17 +16553,17 @@
             <a:pPr algn="ctr"/>
             <a:r>
               <a:rPr lang="en-US" dirty="0"/>
-              <a:t>app1 binaries</a:t>
+              <a:t>+ File 2</a:t>
             </a:r>
           </a:p>
         </p:txBody>
       </p:sp>
       <p:sp>
         <p:nvSpPr>
-          <p:cNvPr id="28" name="Rectangle 27">
+          <p:cNvPr id="8" name="Rectangle 7">
             <a:extLst>
               <a:ext uri="{FF2B5EF4-FFF2-40B4-BE49-F238E27FC236}">
-                <a16:creationId xmlns:a16="http://schemas.microsoft.com/office/drawing/2014/main" id="{0F59037F-A9DE-41AF-9780-7844596B3B01}"/>
+                <a16:creationId xmlns:a16="http://schemas.microsoft.com/office/drawing/2014/main" id="{3325917F-E98E-9C46-9307-D1F48E736B19}"/>
               </a:ext>
             </a:extLst>
           </p:cNvPr>
@@ -15941,57 +16572,8 @@
         </p:nvSpPr>
         <p:spPr>
           <a:xfrm>
-            <a:off x="3566161" y="3936788"/>
-            <a:ext cx="2233748" cy="627017"/>
-          </a:xfrm>
-          <a:prstGeom prst="rect">
-            <a:avLst/>
-          </a:prstGeom>
-        </p:spPr>
-        <p:style>
-          <a:lnRef idx="2">
-            <a:schemeClr val="accent1">
-              <a:shade val="50000"/>
-            </a:schemeClr>
-          </a:lnRef>
-          <a:fillRef idx="1">
-            <a:schemeClr val="accent1"/>
-          </a:fillRef>
-          <a:effectRef idx="0">
-            <a:schemeClr val="accent1"/>
-          </a:effectRef>
-          <a:fontRef idx="minor">
-            <a:schemeClr val="lt1"/>
-          </a:fontRef>
-        </p:style>
-        <p:txBody>
-          <a:bodyPr rtlCol="0" anchor="ctr"/>
-          <a:lstStyle/>
-          <a:p>
-            <a:pPr algn="ctr"/>
-            <a:r>
-              <a:rPr lang="en-US" dirty="0"/>
-              <a:t>app2 binaries</a:t>
-            </a:r>
-          </a:p>
-        </p:txBody>
-      </p:sp>
-      <p:sp>
-        <p:nvSpPr>
-          <p:cNvPr id="29" name="Rectangle 28">
-            <a:extLst>
-              <a:ext uri="{FF2B5EF4-FFF2-40B4-BE49-F238E27FC236}">
-                <a16:creationId xmlns:a16="http://schemas.microsoft.com/office/drawing/2014/main" id="{3A11A61F-3669-44C7-9BF4-39EA83AA9CEC}"/>
-              </a:ext>
-            </a:extLst>
-          </p:cNvPr>
-          <p:cNvSpPr/>
-          <p:nvPr/>
-        </p:nvSpPr>
-        <p:spPr>
-          <a:xfrm>
-            <a:off x="1280160" y="2512009"/>
-            <a:ext cx="2233748" cy="627017"/>
+            <a:off x="2593191" y="2832018"/>
+            <a:ext cx="2233748" cy="910491"/>
           </a:xfrm>
           <a:prstGeom prst="rect">
             <a:avLst/>
@@ -16025,15 +16607,25 @@
               <a:rPr lang="en-US" dirty="0"/>
               <a:t>Image 1</a:t>
             </a:r>
+            <a:br>
+              <a:rPr lang="en-US" dirty="0"/>
+            </a:br>
+            <a:br>
+              <a:rPr lang="en-US" dirty="0"/>
+            </a:br>
+            <a:r>
+              <a:rPr lang="en-US" dirty="0"/>
+              <a:t>File 1, File 2</a:t>
+            </a:r>
           </a:p>
         </p:txBody>
       </p:sp>
       <p:sp>
         <p:nvSpPr>
-          <p:cNvPr id="30" name="Rectangle 29">
+          <p:cNvPr id="9" name="Rectangle 8">
             <a:extLst>
               <a:ext uri="{FF2B5EF4-FFF2-40B4-BE49-F238E27FC236}">
-                <a16:creationId xmlns:a16="http://schemas.microsoft.com/office/drawing/2014/main" id="{ED64B590-47AC-471D-B1EF-B36A81545750}"/>
+                <a16:creationId xmlns:a16="http://schemas.microsoft.com/office/drawing/2014/main" id="{ED1F39C4-EE9B-E048-B297-D5A80E1B4A85}"/>
               </a:ext>
             </a:extLst>
           </p:cNvPr>
@@ -16042,8 +16634,155 @@
         </p:nvSpPr>
         <p:spPr>
           <a:xfrm>
-            <a:off x="3566161" y="3215621"/>
+            <a:off x="4979126" y="4674467"/>
             <a:ext cx="2233748" cy="627017"/>
+          </a:xfrm>
+          <a:prstGeom prst="rect">
+            <a:avLst/>
+          </a:prstGeom>
+        </p:spPr>
+        <p:style>
+          <a:lnRef idx="2">
+            <a:schemeClr val="accent1">
+              <a:shade val="50000"/>
+            </a:schemeClr>
+          </a:lnRef>
+          <a:fillRef idx="1">
+            <a:schemeClr val="accent1"/>
+          </a:fillRef>
+          <a:effectRef idx="0">
+            <a:schemeClr val="accent1"/>
+          </a:effectRef>
+          <a:fontRef idx="minor">
+            <a:schemeClr val="lt1"/>
+          </a:fontRef>
+        </p:style>
+        <p:txBody>
+          <a:bodyPr rtlCol="0" anchor="ctr"/>
+          <a:lstStyle/>
+          <a:p>
+            <a:pPr algn="ctr"/>
+            <a:r>
+              <a:rPr lang="en-US" dirty="0"/>
+              <a:t>+ File 1</a:t>
+            </a:r>
+          </a:p>
+        </p:txBody>
+      </p:sp>
+      <p:sp>
+        <p:nvSpPr>
+          <p:cNvPr id="10" name="Rectangle 9">
+            <a:extLst>
+              <a:ext uri="{FF2B5EF4-FFF2-40B4-BE49-F238E27FC236}">
+                <a16:creationId xmlns:a16="http://schemas.microsoft.com/office/drawing/2014/main" id="{B5B91877-BA56-1C42-A46C-66DD6BE4BB1C}"/>
+              </a:ext>
+            </a:extLst>
+          </p:cNvPr>
+          <p:cNvSpPr/>
+          <p:nvPr/>
+        </p:nvSpPr>
+        <p:spPr>
+          <a:xfrm>
+            <a:off x="4979126" y="3894979"/>
+            <a:ext cx="2233748" cy="627017"/>
+          </a:xfrm>
+          <a:prstGeom prst="rect">
+            <a:avLst/>
+          </a:prstGeom>
+        </p:spPr>
+        <p:style>
+          <a:lnRef idx="2">
+            <a:schemeClr val="accent1">
+              <a:shade val="50000"/>
+            </a:schemeClr>
+          </a:lnRef>
+          <a:fillRef idx="1">
+            <a:schemeClr val="accent1"/>
+          </a:fillRef>
+          <a:effectRef idx="0">
+            <a:schemeClr val="accent1"/>
+          </a:effectRef>
+          <a:fontRef idx="minor">
+            <a:schemeClr val="lt1"/>
+          </a:fontRef>
+        </p:style>
+        <p:txBody>
+          <a:bodyPr rtlCol="0" anchor="ctr"/>
+          <a:lstStyle/>
+          <a:p>
+            <a:pPr algn="ctr"/>
+            <a:r>
+              <a:rPr lang="en-US" dirty="0"/>
+              <a:t>+ File 2</a:t>
+            </a:r>
+          </a:p>
+        </p:txBody>
+      </p:sp>
+      <p:sp>
+        <p:nvSpPr>
+          <p:cNvPr id="11" name="Rectangle 10">
+            <a:extLst>
+              <a:ext uri="{FF2B5EF4-FFF2-40B4-BE49-F238E27FC236}">
+                <a16:creationId xmlns:a16="http://schemas.microsoft.com/office/drawing/2014/main" id="{1749CF58-470B-1A4D-B95F-18A188FE7121}"/>
+              </a:ext>
+            </a:extLst>
+          </p:cNvPr>
+          <p:cNvSpPr/>
+          <p:nvPr/>
+        </p:nvSpPr>
+        <p:spPr>
+          <a:xfrm>
+            <a:off x="4979126" y="3115491"/>
+            <a:ext cx="2233748" cy="627017"/>
+          </a:xfrm>
+          <a:prstGeom prst="rect">
+            <a:avLst/>
+          </a:prstGeom>
+        </p:spPr>
+        <p:style>
+          <a:lnRef idx="2">
+            <a:schemeClr val="accent1">
+              <a:shade val="50000"/>
+            </a:schemeClr>
+          </a:lnRef>
+          <a:fillRef idx="1">
+            <a:schemeClr val="accent1"/>
+          </a:fillRef>
+          <a:effectRef idx="0">
+            <a:schemeClr val="accent1"/>
+          </a:effectRef>
+          <a:fontRef idx="minor">
+            <a:schemeClr val="lt1"/>
+          </a:fontRef>
+        </p:style>
+        <p:txBody>
+          <a:bodyPr rtlCol="0" anchor="ctr"/>
+          <a:lstStyle/>
+          <a:p>
+            <a:pPr algn="ctr"/>
+            <a:r>
+              <a:rPr lang="en-US" dirty="0"/>
+              <a:t>▲ File 1</a:t>
+            </a:r>
+          </a:p>
+        </p:txBody>
+      </p:sp>
+      <p:sp>
+        <p:nvSpPr>
+          <p:cNvPr id="12" name="Rectangle 11">
+            <a:extLst>
+              <a:ext uri="{FF2B5EF4-FFF2-40B4-BE49-F238E27FC236}">
+                <a16:creationId xmlns:a16="http://schemas.microsoft.com/office/drawing/2014/main" id="{A3283102-9BE5-704E-AA80-EFD67D542A7E}"/>
+              </a:ext>
+            </a:extLst>
+          </p:cNvPr>
+          <p:cNvSpPr/>
+          <p:nvPr/>
+        </p:nvSpPr>
+        <p:spPr>
+          <a:xfrm>
+            <a:off x="4979126" y="2052531"/>
+            <a:ext cx="2233748" cy="910490"/>
           </a:xfrm>
           <a:prstGeom prst="rect">
             <a:avLst/>
@@ -16077,15 +16816,25 @@
               <a:rPr lang="en-US" dirty="0"/>
               <a:t>Image 2</a:t>
             </a:r>
+            <a:br>
+              <a:rPr lang="en-US" dirty="0"/>
+            </a:br>
+            <a:br>
+              <a:rPr lang="en-US" dirty="0"/>
+            </a:br>
+            <a:r>
+              <a:rPr lang="en-US" dirty="0"/>
+              <a:t>File 1, File 2</a:t>
+            </a:r>
           </a:p>
         </p:txBody>
       </p:sp>
       <p:sp>
         <p:nvSpPr>
-          <p:cNvPr id="31" name="Rectangle 30">
+          <p:cNvPr id="13" name="Rectangle 12">
             <a:extLst>
               <a:ext uri="{FF2B5EF4-FFF2-40B4-BE49-F238E27FC236}">
-                <a16:creationId xmlns:a16="http://schemas.microsoft.com/office/drawing/2014/main" id="{B3654659-74F7-4AB6-92F9-F7EFCC67C227}"/>
+                <a16:creationId xmlns:a16="http://schemas.microsoft.com/office/drawing/2014/main" id="{03077F26-DC1A-3646-837B-0B92C6997E0E}"/>
               </a:ext>
             </a:extLst>
           </p:cNvPr>
@@ -16094,8 +16843,155 @@
         </p:nvSpPr>
         <p:spPr>
           <a:xfrm>
-            <a:off x="5878286" y="3215622"/>
+            <a:off x="7365061" y="4674467"/>
             <a:ext cx="2233748" cy="627017"/>
+          </a:xfrm>
+          <a:prstGeom prst="rect">
+            <a:avLst/>
+          </a:prstGeom>
+        </p:spPr>
+        <p:style>
+          <a:lnRef idx="2">
+            <a:schemeClr val="accent1">
+              <a:shade val="50000"/>
+            </a:schemeClr>
+          </a:lnRef>
+          <a:fillRef idx="1">
+            <a:schemeClr val="accent1"/>
+          </a:fillRef>
+          <a:effectRef idx="0">
+            <a:schemeClr val="accent1"/>
+          </a:effectRef>
+          <a:fontRef idx="minor">
+            <a:schemeClr val="lt1"/>
+          </a:fontRef>
+        </p:style>
+        <p:txBody>
+          <a:bodyPr rtlCol="0" anchor="ctr"/>
+          <a:lstStyle/>
+          <a:p>
+            <a:pPr algn="ctr"/>
+            <a:r>
+              <a:rPr lang="en-US" dirty="0"/>
+              <a:t>+ File 1</a:t>
+            </a:r>
+          </a:p>
+        </p:txBody>
+      </p:sp>
+      <p:sp>
+        <p:nvSpPr>
+          <p:cNvPr id="14" name="Rectangle 13">
+            <a:extLst>
+              <a:ext uri="{FF2B5EF4-FFF2-40B4-BE49-F238E27FC236}">
+                <a16:creationId xmlns:a16="http://schemas.microsoft.com/office/drawing/2014/main" id="{0E38D965-5709-8C44-8DA9-AD8B70481B25}"/>
+              </a:ext>
+            </a:extLst>
+          </p:cNvPr>
+          <p:cNvSpPr/>
+          <p:nvPr/>
+        </p:nvSpPr>
+        <p:spPr>
+          <a:xfrm>
+            <a:off x="7365061" y="3894979"/>
+            <a:ext cx="2233748" cy="627017"/>
+          </a:xfrm>
+          <a:prstGeom prst="rect">
+            <a:avLst/>
+          </a:prstGeom>
+        </p:spPr>
+        <p:style>
+          <a:lnRef idx="2">
+            <a:schemeClr val="accent1">
+              <a:shade val="50000"/>
+            </a:schemeClr>
+          </a:lnRef>
+          <a:fillRef idx="1">
+            <a:schemeClr val="accent1"/>
+          </a:fillRef>
+          <a:effectRef idx="0">
+            <a:schemeClr val="accent1"/>
+          </a:effectRef>
+          <a:fontRef idx="minor">
+            <a:schemeClr val="lt1"/>
+          </a:fontRef>
+        </p:style>
+        <p:txBody>
+          <a:bodyPr rtlCol="0" anchor="ctr"/>
+          <a:lstStyle/>
+          <a:p>
+            <a:pPr algn="ctr"/>
+            <a:r>
+              <a:rPr lang="en-US" dirty="0"/>
+              <a:t>+ File 2</a:t>
+            </a:r>
+          </a:p>
+        </p:txBody>
+      </p:sp>
+      <p:sp>
+        <p:nvSpPr>
+          <p:cNvPr id="15" name="Rectangle 14">
+            <a:extLst>
+              <a:ext uri="{FF2B5EF4-FFF2-40B4-BE49-F238E27FC236}">
+                <a16:creationId xmlns:a16="http://schemas.microsoft.com/office/drawing/2014/main" id="{0D1916E6-5C03-6D4B-8244-ED8E608DAA8B}"/>
+              </a:ext>
+            </a:extLst>
+          </p:cNvPr>
+          <p:cNvSpPr/>
+          <p:nvPr/>
+        </p:nvSpPr>
+        <p:spPr>
+          <a:xfrm>
+            <a:off x="7365061" y="3115491"/>
+            <a:ext cx="2233748" cy="627017"/>
+          </a:xfrm>
+          <a:prstGeom prst="rect">
+            <a:avLst/>
+          </a:prstGeom>
+        </p:spPr>
+        <p:style>
+          <a:lnRef idx="2">
+            <a:schemeClr val="accent1">
+              <a:shade val="50000"/>
+            </a:schemeClr>
+          </a:lnRef>
+          <a:fillRef idx="1">
+            <a:schemeClr val="accent1"/>
+          </a:fillRef>
+          <a:effectRef idx="0">
+            <a:schemeClr val="accent1"/>
+          </a:effectRef>
+          <a:fontRef idx="minor">
+            <a:schemeClr val="lt1"/>
+          </a:fontRef>
+        </p:style>
+        <p:txBody>
+          <a:bodyPr rtlCol="0" anchor="ctr"/>
+          <a:lstStyle/>
+          <a:p>
+            <a:pPr algn="ctr"/>
+            <a:r>
+              <a:rPr lang="en-US" dirty="0"/>
+              <a:t>- File 1</a:t>
+            </a:r>
+          </a:p>
+        </p:txBody>
+      </p:sp>
+      <p:sp>
+        <p:nvSpPr>
+          <p:cNvPr id="16" name="Rectangle 15">
+            <a:extLst>
+              <a:ext uri="{FF2B5EF4-FFF2-40B4-BE49-F238E27FC236}">
+                <a16:creationId xmlns:a16="http://schemas.microsoft.com/office/drawing/2014/main" id="{D97CEA6E-45B7-434D-92BD-4EA4D36661AD}"/>
+              </a:ext>
+            </a:extLst>
+          </p:cNvPr>
+          <p:cNvSpPr/>
+          <p:nvPr/>
+        </p:nvSpPr>
+        <p:spPr>
+          <a:xfrm>
+            <a:off x="7365061" y="2052531"/>
+            <a:ext cx="2233748" cy="910489"/>
           </a:xfrm>
           <a:prstGeom prst="rect">
             <a:avLst/>
@@ -16129,13 +17025,62 @@
               <a:rPr lang="en-US" dirty="0"/>
               <a:t>Image 3</a:t>
             </a:r>
+            <a:br>
+              <a:rPr lang="en-US" dirty="0"/>
+            </a:br>
+            <a:br>
+              <a:rPr lang="en-US" dirty="0"/>
+            </a:br>
+            <a:r>
+              <a:rPr lang="en-US" dirty="0"/>
+              <a:t>File 2</a:t>
+            </a:r>
+          </a:p>
+        </p:txBody>
+      </p:sp>
+      <p:sp>
+        <p:nvSpPr>
+          <p:cNvPr id="17" name="Rectangle 16">
+            <a:extLst>
+              <a:ext uri="{FF2B5EF4-FFF2-40B4-BE49-F238E27FC236}">
+                <a16:creationId xmlns:a16="http://schemas.microsoft.com/office/drawing/2014/main" id="{EEEC7DBA-7BB4-1C45-9660-AF908F0E8A42}"/>
+              </a:ext>
+            </a:extLst>
+          </p:cNvPr>
+          <p:cNvSpPr/>
+          <p:nvPr/>
+        </p:nvSpPr>
+        <p:spPr>
+          <a:xfrm>
+            <a:off x="304800" y="1188283"/>
+            <a:ext cx="6096000" cy="871970"/>
+          </a:xfrm>
+          <a:prstGeom prst="rect">
+            <a:avLst/>
+          </a:prstGeom>
+        </p:spPr>
+        <p:txBody>
+          <a:bodyPr>
+            <a:spAutoFit/>
+          </a:bodyPr>
+          <a:lstStyle/>
+          <a:p>
+            <a:pPr>
+              <a:lnSpc>
+                <a:spcPct val="150000"/>
+              </a:lnSpc>
+            </a:pPr>
+            <a:r>
+              <a:rPr lang="en-US" dirty="0"/>
+              <a:t>Union file systems allows common layers to be shared between images and containers</a:t>
+            </a:r>
           </a:p>
         </p:txBody>
       </p:sp>
     </p:spTree>
     <p:extLst>
       <p:ext uri="{BB962C8B-B14F-4D97-AF65-F5344CB8AC3E}">
-        <p14:creationId xmlns:p14="http://schemas.microsoft.com/office/powerpoint/2010/main" val="3094252872"/>
+        <p14:creationId xmlns:p14="http://schemas.microsoft.com/office/powerpoint/2010/main" val="16869153"/>
       </p:ext>
     </p:extLst>
   </p:cSld>
